--- a/Unstructured/Lec/02_basic.pptx
+++ b/Unstructured/Lec/02_basic.pptx
@@ -115,6 +115,11 @@
       </a:defRPr>
     </a:lvl9pPr>
   </p:defaultTextStyle>
+  <p:extLst>
+    <p:ext uri="{EFAFB233-063F-42B5-8137-9DF3F51BA10A}">
+      <p15:sldGuideLst xmlns:p15="http://schemas.microsoft.com/office/powerpoint/2012/main"/>
+    </p:ext>
+  </p:extLst>
 </p:presentation>
 </file>
 
@@ -163,7 +168,6 @@
               <a:rPr lang="ko-KR" altLang="en-US"/>
               <a:t>마스터 제목 스타일 편집</a:t>
             </a:r>
-            <a:endParaRPr lang="ko-KR" altLang="en-US"/>
           </a:p>
         </p:txBody>
       </p:sp>
@@ -228,7 +232,6 @@
               <a:rPr lang="ko-KR" altLang="en-US"/>
               <a:t>클릭하여 마스터 부제목 스타일 편집</a:t>
             </a:r>
-            <a:endParaRPr lang="ko-KR" altLang="en-US"/>
           </a:p>
         </p:txBody>
       </p:sp>
@@ -249,7 +252,7 @@
           <a:p>
             <a:fld id="{50D5BC9A-09BB-4C53-865D-A1563E5AC6D8}" type="datetimeFigureOut">
               <a:rPr lang="ko-KR" altLang="en-US" smtClean="0"/>
-              <a:t>2017-03-10</a:t>
+              <a:t>2017-03-12</a:t>
             </a:fld>
             <a:endParaRPr lang="ko-KR" altLang="en-US"/>
           </a:p>
@@ -346,7 +349,6 @@
               <a:rPr lang="ko-KR" altLang="en-US"/>
               <a:t>마스터 제목 스타일 편집</a:t>
             </a:r>
-            <a:endParaRPr lang="ko-KR" altLang="en-US"/>
           </a:p>
         </p:txBody>
       </p:sp>
@@ -398,7 +400,6 @@
               <a:rPr lang="ko-KR" altLang="en-US"/>
               <a:t>다섯째 수준</a:t>
             </a:r>
-            <a:endParaRPr lang="ko-KR" altLang="en-US"/>
           </a:p>
         </p:txBody>
       </p:sp>
@@ -419,7 +420,7 @@
           <a:p>
             <a:fld id="{50D5BC9A-09BB-4C53-865D-A1563E5AC6D8}" type="datetimeFigureOut">
               <a:rPr lang="ko-KR" altLang="en-US" smtClean="0"/>
-              <a:t>2017-03-10</a:t>
+              <a:t>2017-03-12</a:t>
             </a:fld>
             <a:endParaRPr lang="ko-KR" altLang="en-US"/>
           </a:p>
@@ -521,7 +522,6 @@
               <a:rPr lang="ko-KR" altLang="en-US"/>
               <a:t>마스터 제목 스타일 편집</a:t>
             </a:r>
-            <a:endParaRPr lang="ko-KR" altLang="en-US"/>
           </a:p>
         </p:txBody>
       </p:sp>
@@ -578,7 +578,6 @@
               <a:rPr lang="ko-KR" altLang="en-US"/>
               <a:t>다섯째 수준</a:t>
             </a:r>
-            <a:endParaRPr lang="ko-KR" altLang="en-US"/>
           </a:p>
         </p:txBody>
       </p:sp>
@@ -599,7 +598,7 @@
           <a:p>
             <a:fld id="{50D5BC9A-09BB-4C53-865D-A1563E5AC6D8}" type="datetimeFigureOut">
               <a:rPr lang="ko-KR" altLang="en-US" smtClean="0"/>
-              <a:t>2017-03-10</a:t>
+              <a:t>2017-03-12</a:t>
             </a:fld>
             <a:endParaRPr lang="ko-KR" altLang="en-US"/>
           </a:p>
@@ -696,7 +695,6 @@
               <a:rPr lang="ko-KR" altLang="en-US"/>
               <a:t>마스터 제목 스타일 편집</a:t>
             </a:r>
-            <a:endParaRPr lang="ko-KR" altLang="en-US"/>
           </a:p>
         </p:txBody>
       </p:sp>
@@ -748,7 +746,6 @@
               <a:rPr lang="ko-KR" altLang="en-US"/>
               <a:t>다섯째 수준</a:t>
             </a:r>
-            <a:endParaRPr lang="ko-KR" altLang="en-US"/>
           </a:p>
         </p:txBody>
       </p:sp>
@@ -769,7 +766,7 @@
           <a:p>
             <a:fld id="{50D5BC9A-09BB-4C53-865D-A1563E5AC6D8}" type="datetimeFigureOut">
               <a:rPr lang="ko-KR" altLang="en-US" smtClean="0"/>
-              <a:t>2017-03-10</a:t>
+              <a:t>2017-03-12</a:t>
             </a:fld>
             <a:endParaRPr lang="ko-KR" altLang="en-US"/>
           </a:p>
@@ -875,7 +872,6 @@
               <a:rPr lang="ko-KR" altLang="en-US"/>
               <a:t>마스터 제목 스타일 편집</a:t>
             </a:r>
-            <a:endParaRPr lang="ko-KR" altLang="en-US"/>
           </a:p>
         </p:txBody>
       </p:sp>
@@ -1015,7 +1011,7 @@
           <a:p>
             <a:fld id="{50D5BC9A-09BB-4C53-865D-A1563E5AC6D8}" type="datetimeFigureOut">
               <a:rPr lang="ko-KR" altLang="en-US" smtClean="0"/>
-              <a:t>2017-03-10</a:t>
+              <a:t>2017-03-12</a:t>
             </a:fld>
             <a:endParaRPr lang="ko-KR" altLang="en-US"/>
           </a:p>
@@ -1112,7 +1108,6 @@
               <a:rPr lang="ko-KR" altLang="en-US"/>
               <a:t>마스터 제목 스타일 편집</a:t>
             </a:r>
-            <a:endParaRPr lang="ko-KR" altLang="en-US"/>
           </a:p>
         </p:txBody>
       </p:sp>
@@ -1169,7 +1164,6 @@
               <a:rPr lang="ko-KR" altLang="en-US"/>
               <a:t>다섯째 수준</a:t>
             </a:r>
-            <a:endParaRPr lang="ko-KR" altLang="en-US"/>
           </a:p>
         </p:txBody>
       </p:sp>
@@ -1226,7 +1220,6 @@
               <a:rPr lang="ko-KR" altLang="en-US"/>
               <a:t>다섯째 수준</a:t>
             </a:r>
-            <a:endParaRPr lang="ko-KR" altLang="en-US"/>
           </a:p>
         </p:txBody>
       </p:sp>
@@ -1247,7 +1240,7 @@
           <a:p>
             <a:fld id="{50D5BC9A-09BB-4C53-865D-A1563E5AC6D8}" type="datetimeFigureOut">
               <a:rPr lang="ko-KR" altLang="en-US" smtClean="0"/>
-              <a:t>2017-03-10</a:t>
+              <a:t>2017-03-12</a:t>
             </a:fld>
             <a:endParaRPr lang="ko-KR" altLang="en-US"/>
           </a:p>
@@ -1349,7 +1342,6 @@
               <a:rPr lang="ko-KR" altLang="en-US"/>
               <a:t>마스터 제목 스타일 편집</a:t>
             </a:r>
-            <a:endParaRPr lang="ko-KR" altLang="en-US"/>
           </a:p>
         </p:txBody>
       </p:sp>
@@ -1471,7 +1463,6 @@
               <a:rPr lang="ko-KR" altLang="en-US"/>
               <a:t>다섯째 수준</a:t>
             </a:r>
-            <a:endParaRPr lang="ko-KR" altLang="en-US"/>
           </a:p>
         </p:txBody>
       </p:sp>
@@ -1593,7 +1584,6 @@
               <a:rPr lang="ko-KR" altLang="en-US"/>
               <a:t>다섯째 수준</a:t>
             </a:r>
-            <a:endParaRPr lang="ko-KR" altLang="en-US"/>
           </a:p>
         </p:txBody>
       </p:sp>
@@ -1614,7 +1604,7 @@
           <a:p>
             <a:fld id="{50D5BC9A-09BB-4C53-865D-A1563E5AC6D8}" type="datetimeFigureOut">
               <a:rPr lang="ko-KR" altLang="en-US" smtClean="0"/>
-              <a:t>2017-03-10</a:t>
+              <a:t>2017-03-12</a:t>
             </a:fld>
             <a:endParaRPr lang="ko-KR" altLang="en-US"/>
           </a:p>
@@ -1711,7 +1701,6 @@
               <a:rPr lang="ko-KR" altLang="en-US"/>
               <a:t>마스터 제목 스타일 편집</a:t>
             </a:r>
-            <a:endParaRPr lang="ko-KR" altLang="en-US"/>
           </a:p>
         </p:txBody>
       </p:sp>
@@ -1732,7 +1721,7 @@
           <a:p>
             <a:fld id="{50D5BC9A-09BB-4C53-865D-A1563E5AC6D8}" type="datetimeFigureOut">
               <a:rPr lang="ko-KR" altLang="en-US" smtClean="0"/>
-              <a:t>2017-03-10</a:t>
+              <a:t>2017-03-12</a:t>
             </a:fld>
             <a:endParaRPr lang="ko-KR" altLang="en-US"/>
           </a:p>
@@ -1827,7 +1816,7 @@
           <a:p>
             <a:fld id="{50D5BC9A-09BB-4C53-865D-A1563E5AC6D8}" type="datetimeFigureOut">
               <a:rPr lang="ko-KR" altLang="en-US" smtClean="0"/>
-              <a:t>2017-03-10</a:t>
+              <a:t>2017-03-12</a:t>
             </a:fld>
             <a:endParaRPr lang="ko-KR" altLang="en-US"/>
           </a:p>
@@ -1933,7 +1922,6 @@
               <a:rPr lang="ko-KR" altLang="en-US"/>
               <a:t>마스터 제목 스타일 편집</a:t>
             </a:r>
-            <a:endParaRPr lang="ko-KR" altLang="en-US"/>
           </a:p>
         </p:txBody>
       </p:sp>
@@ -2018,7 +2006,6 @@
               <a:rPr lang="ko-KR" altLang="en-US"/>
               <a:t>다섯째 수준</a:t>
             </a:r>
-            <a:endParaRPr lang="ko-KR" altLang="en-US"/>
           </a:p>
         </p:txBody>
       </p:sp>
@@ -2104,7 +2091,7 @@
           <a:p>
             <a:fld id="{50D5BC9A-09BB-4C53-865D-A1563E5AC6D8}" type="datetimeFigureOut">
               <a:rPr lang="ko-KR" altLang="en-US" smtClean="0"/>
-              <a:t>2017-03-10</a:t>
+              <a:t>2017-03-12</a:t>
             </a:fld>
             <a:endParaRPr lang="ko-KR" altLang="en-US"/>
           </a:p>
@@ -2210,7 +2197,6 @@
               <a:rPr lang="ko-KR" altLang="en-US"/>
               <a:t>마스터 제목 스타일 편집</a:t>
             </a:r>
-            <a:endParaRPr lang="ko-KR" altLang="en-US"/>
           </a:p>
         </p:txBody>
       </p:sp>
@@ -2357,7 +2343,7 @@
           <a:p>
             <a:fld id="{50D5BC9A-09BB-4C53-865D-A1563E5AC6D8}" type="datetimeFigureOut">
               <a:rPr lang="ko-KR" altLang="en-US" smtClean="0"/>
-              <a:t>2017-03-10</a:t>
+              <a:t>2017-03-12</a:t>
             </a:fld>
             <a:endParaRPr lang="ko-KR" altLang="en-US"/>
           </a:p>
@@ -2469,7 +2455,6 @@
               <a:rPr lang="ko-KR" altLang="en-US"/>
               <a:t>마스터 제목 스타일 편집</a:t>
             </a:r>
-            <a:endParaRPr lang="ko-KR" altLang="en-US"/>
           </a:p>
         </p:txBody>
       </p:sp>
@@ -2531,7 +2516,6 @@
               <a:rPr lang="ko-KR" altLang="en-US"/>
               <a:t>다섯째 수준</a:t>
             </a:r>
-            <a:endParaRPr lang="ko-KR" altLang="en-US"/>
           </a:p>
         </p:txBody>
       </p:sp>
@@ -2570,7 +2554,7 @@
           <a:p>
             <a:fld id="{50D5BC9A-09BB-4C53-865D-A1563E5AC6D8}" type="datetimeFigureOut">
               <a:rPr lang="ko-KR" altLang="en-US" smtClean="0"/>
-              <a:t>2017-03-10</a:t>
+              <a:t>2017-03-12</a:t>
             </a:fld>
             <a:endParaRPr lang="ko-KR" altLang="en-US"/>
           </a:p>
@@ -2994,26 +2978,6 @@
               <a:rPr lang="ko-KR" altLang="en-US"/>
               <a:t>텍스트 분석 기초</a:t>
             </a:r>
-            <a:endParaRPr lang="ko-KR" altLang="en-US"/>
-          </a:p>
-        </p:txBody>
-      </p:sp>
-      <p:sp>
-        <p:nvSpPr>
-          <p:cNvPr id="3" name="부제목 2"/>
-          <p:cNvSpPr>
-            <a:spLocks noGrp="1"/>
-          </p:cNvSpPr>
-          <p:nvPr>
-            <p:ph type="subTitle" idx="1"/>
-          </p:nvPr>
-        </p:nvSpPr>
-        <p:spPr/>
-        <p:txBody>
-          <a:bodyPr/>
-          <a:lstStyle/>
-          <a:p>
-            <a:endParaRPr lang="ko-KR" altLang="en-US"/>
           </a:p>
         </p:txBody>
       </p:sp>
@@ -3066,7 +3030,6 @@
               <a:rPr lang="ko-KR" altLang="en-US"/>
               <a:t>단어 문서 행렬</a:t>
             </a:r>
-            <a:endParaRPr lang="ko-KR" altLang="en-US"/>
           </a:p>
         </p:txBody>
       </p:sp>
@@ -3202,7 +3165,6 @@
               <a:rPr lang="ko-KR" altLang="en-US"/>
               <a:t>단어 문서 행렬</a:t>
             </a:r>
-            <a:endParaRPr lang="ko-KR" altLang="en-US"/>
           </a:p>
         </p:txBody>
       </p:sp>
@@ -3248,7 +3210,6 @@
               <a:rPr lang="ko-KR" altLang="en-US"/>
               <a:t> 사과 맛있다</a:t>
             </a:r>
-            <a:endParaRPr lang="ko-KR" altLang="en-US"/>
           </a:p>
         </p:txBody>
       </p:sp>
@@ -3335,7 +3296,6 @@
                         <a:rPr lang="ko-KR" altLang="en-US"/>
                         <a:t>안녕</a:t>
                       </a:r>
-                      <a:endParaRPr lang="ko-KR" altLang="en-US"/>
                     </a:p>
                   </a:txBody>
                   <a:tcPr/>
@@ -3350,7 +3310,6 @@
                         <a:rPr lang="ko-KR" altLang="en-US"/>
                         <a:t>세상</a:t>
                       </a:r>
-                      <a:endParaRPr lang="ko-KR" altLang="en-US"/>
                     </a:p>
                   </a:txBody>
                   <a:tcPr/>
@@ -3365,7 +3324,6 @@
                         <a:rPr lang="ko-KR" altLang="en-US"/>
                         <a:t>사과</a:t>
                       </a:r>
-                      <a:endParaRPr lang="ko-KR" altLang="en-US"/>
                     </a:p>
                   </a:txBody>
                   <a:tcPr/>
@@ -3380,7 +3338,6 @@
                         <a:rPr lang="ko-KR" altLang="en-US"/>
                         <a:t>맛있다</a:t>
                       </a:r>
-                      <a:endParaRPr lang="ko-KR" altLang="en-US"/>
                     </a:p>
                   </a:txBody>
                   <a:tcPr/>
@@ -3800,25 +3757,6 @@
           </a:p>
         </p:txBody>
       </p:sp>
-      <p:sp>
-        <p:nvSpPr>
-          <p:cNvPr id="5" name="텍스트 개체 틀 4"/>
-          <p:cNvSpPr>
-            <a:spLocks noGrp="1"/>
-          </p:cNvSpPr>
-          <p:nvPr>
-            <p:ph type="body" idx="1"/>
-          </p:nvPr>
-        </p:nvSpPr>
-        <p:spPr/>
-        <p:txBody>
-          <a:bodyPr/>
-          <a:lstStyle/>
-          <a:p>
-            <a:endParaRPr lang="ko-KR" altLang="en-US"/>
-          </a:p>
-        </p:txBody>
-      </p:sp>
     </p:spTree>
     <p:extLst>
       <p:ext uri="{BB962C8B-B14F-4D97-AF65-F5344CB8AC3E}">
@@ -4142,7 +4080,6 @@
               <a:rPr lang="ko-KR" altLang="en-US"/>
               <a:t>소개</a:t>
             </a:r>
-            <a:endParaRPr lang="ko-KR" altLang="en-US"/>
           </a:p>
         </p:txBody>
       </p:sp>
@@ -4445,11 +4382,7 @@
           <a:p>
             <a:r>
               <a:rPr lang="en-US" altLang="ko-KR"/>
-              <a:t>Popularit</a:t>
-            </a:r>
-            <a:r>
-              <a:rPr lang="en-US" altLang="ko-KR"/>
-              <a:t>y</a:t>
+              <a:t>Popularity</a:t>
             </a:r>
             <a:endParaRPr lang="ko-KR" altLang="en-US"/>
           </a:p>
@@ -4533,7 +4466,6 @@
               <a:rPr lang="ko-KR" altLang="en-US"/>
               <a:t>실행</a:t>
             </a:r>
-            <a:endParaRPr lang="ko-KR" altLang="en-US"/>
           </a:p>
         </p:txBody>
       </p:sp>
@@ -4601,11 +4533,7 @@
           <a:p>
             <a:r>
               <a:rPr lang="en-US" altLang="ko-KR"/>
-              <a:t>ipython noteboo</a:t>
-            </a:r>
-            <a:r>
-              <a:rPr lang="en-US" altLang="ko-KR"/>
-              <a:t>k</a:t>
+              <a:t>ipython notebook</a:t>
             </a:r>
             <a:endParaRPr lang="ko-KR" altLang="en-US"/>
           </a:p>
@@ -4660,26 +4588,6 @@
               <a:rPr lang="ko-KR" altLang="en-US"/>
               <a:t>단어 문서 행렬</a:t>
             </a:r>
-            <a:endParaRPr lang="ko-KR" altLang="en-US"/>
-          </a:p>
-        </p:txBody>
-      </p:sp>
-      <p:sp>
-        <p:nvSpPr>
-          <p:cNvPr id="3" name="텍스트 개체 틀 2"/>
-          <p:cNvSpPr>
-            <a:spLocks noGrp="1"/>
-          </p:cNvSpPr>
-          <p:nvPr>
-            <p:ph type="body" idx="1"/>
-          </p:nvPr>
-        </p:nvSpPr>
-        <p:spPr/>
-        <p:txBody>
-          <a:bodyPr/>
-          <a:lstStyle/>
-          <a:p>
-            <a:endParaRPr lang="ko-KR" altLang="en-US"/>
           </a:p>
         </p:txBody>
       </p:sp>
